--- a/chinese/小伯利恆.pptx
+++ b/chinese/小伯利恆.pptx
@@ -243,7 +243,8 @@
           <a:p>
             <a:fld id="{41D27443-EDAC-49D5-AEF3-CF0CAD3889E4}" type="datetimeFigureOut">
               <a:rPr lang="vi-VN" smtClean="0"/>
-              <a:t>14/11/2020</a:t>
+              <a:pPr/>
+              <a:t>22/11/2020</a:t>
             </a:fld>
             <a:endParaRPr lang="vi-VN"/>
           </a:p>
@@ -285,6 +286,7 @@
           <a:p>
             <a:fld id="{E99A19E5-ED21-45F3-8C44-8EAE3B435CF8}" type="slidenum">
               <a:rPr lang="vi-VN" smtClean="0"/>
+              <a:pPr/>
               <a:t>‹#›</a:t>
             </a:fld>
             <a:endParaRPr lang="vi-VN"/>
@@ -294,7 +296,7 @@
     </p:spTree>
     <p:extLst>
       <p:ext uri="{BB962C8B-B14F-4D97-AF65-F5344CB8AC3E}">
-        <p14:creationId xmlns:p14="http://schemas.microsoft.com/office/powerpoint/2010/main" val="2746993984"/>
+        <p14:creationId xmlns:p14="http://schemas.microsoft.com/office/powerpoint/2010/main" xmlns="" val="2746993984"/>
       </p:ext>
     </p:extLst>
   </p:cSld>
@@ -413,7 +415,8 @@
           <a:p>
             <a:fld id="{41D27443-EDAC-49D5-AEF3-CF0CAD3889E4}" type="datetimeFigureOut">
               <a:rPr lang="vi-VN" smtClean="0"/>
-              <a:t>14/11/2020</a:t>
+              <a:pPr/>
+              <a:t>22/11/2020</a:t>
             </a:fld>
             <a:endParaRPr lang="vi-VN"/>
           </a:p>
@@ -455,6 +458,7 @@
           <a:p>
             <a:fld id="{E99A19E5-ED21-45F3-8C44-8EAE3B435CF8}" type="slidenum">
               <a:rPr lang="vi-VN" smtClean="0"/>
+              <a:pPr/>
               <a:t>‹#›</a:t>
             </a:fld>
             <a:endParaRPr lang="vi-VN"/>
@@ -464,7 +468,7 @@
     </p:spTree>
     <p:extLst>
       <p:ext uri="{BB962C8B-B14F-4D97-AF65-F5344CB8AC3E}">
-        <p14:creationId xmlns:p14="http://schemas.microsoft.com/office/powerpoint/2010/main" val="289022737"/>
+        <p14:creationId xmlns:p14="http://schemas.microsoft.com/office/powerpoint/2010/main" xmlns="" val="289022737"/>
       </p:ext>
     </p:extLst>
   </p:cSld>
@@ -593,7 +597,8 @@
           <a:p>
             <a:fld id="{41D27443-EDAC-49D5-AEF3-CF0CAD3889E4}" type="datetimeFigureOut">
               <a:rPr lang="vi-VN" smtClean="0"/>
-              <a:t>14/11/2020</a:t>
+              <a:pPr/>
+              <a:t>22/11/2020</a:t>
             </a:fld>
             <a:endParaRPr lang="vi-VN"/>
           </a:p>
@@ -635,6 +640,7 @@
           <a:p>
             <a:fld id="{E99A19E5-ED21-45F3-8C44-8EAE3B435CF8}" type="slidenum">
               <a:rPr lang="vi-VN" smtClean="0"/>
+              <a:pPr/>
               <a:t>‹#›</a:t>
             </a:fld>
             <a:endParaRPr lang="vi-VN"/>
@@ -644,7 +650,7 @@
     </p:spTree>
     <p:extLst>
       <p:ext uri="{BB962C8B-B14F-4D97-AF65-F5344CB8AC3E}">
-        <p14:creationId xmlns:p14="http://schemas.microsoft.com/office/powerpoint/2010/main" val="547996011"/>
+        <p14:creationId xmlns:p14="http://schemas.microsoft.com/office/powerpoint/2010/main" xmlns="" val="547996011"/>
       </p:ext>
     </p:extLst>
   </p:cSld>
@@ -763,7 +769,8 @@
           <a:p>
             <a:fld id="{41D27443-EDAC-49D5-AEF3-CF0CAD3889E4}" type="datetimeFigureOut">
               <a:rPr lang="vi-VN" smtClean="0"/>
-              <a:t>14/11/2020</a:t>
+              <a:pPr/>
+              <a:t>22/11/2020</a:t>
             </a:fld>
             <a:endParaRPr lang="vi-VN"/>
           </a:p>
@@ -805,6 +812,7 @@
           <a:p>
             <a:fld id="{E99A19E5-ED21-45F3-8C44-8EAE3B435CF8}" type="slidenum">
               <a:rPr lang="vi-VN" smtClean="0"/>
+              <a:pPr/>
               <a:t>‹#›</a:t>
             </a:fld>
             <a:endParaRPr lang="vi-VN"/>
@@ -814,7 +822,7 @@
     </p:spTree>
     <p:extLst>
       <p:ext uri="{BB962C8B-B14F-4D97-AF65-F5344CB8AC3E}">
-        <p14:creationId xmlns:p14="http://schemas.microsoft.com/office/powerpoint/2010/main" val="379294568"/>
+        <p14:creationId xmlns:p14="http://schemas.microsoft.com/office/powerpoint/2010/main" xmlns="" val="379294568"/>
       </p:ext>
     </p:extLst>
   </p:cSld>
@@ -1009,7 +1017,8 @@
           <a:p>
             <a:fld id="{41D27443-EDAC-49D5-AEF3-CF0CAD3889E4}" type="datetimeFigureOut">
               <a:rPr lang="vi-VN" smtClean="0"/>
-              <a:t>14/11/2020</a:t>
+              <a:pPr/>
+              <a:t>22/11/2020</a:t>
             </a:fld>
             <a:endParaRPr lang="vi-VN"/>
           </a:p>
@@ -1051,6 +1060,7 @@
           <a:p>
             <a:fld id="{E99A19E5-ED21-45F3-8C44-8EAE3B435CF8}" type="slidenum">
               <a:rPr lang="vi-VN" smtClean="0"/>
+              <a:pPr/>
               <a:t>‹#›</a:t>
             </a:fld>
             <a:endParaRPr lang="vi-VN"/>
@@ -1060,7 +1070,7 @@
     </p:spTree>
     <p:extLst>
       <p:ext uri="{BB962C8B-B14F-4D97-AF65-F5344CB8AC3E}">
-        <p14:creationId xmlns:p14="http://schemas.microsoft.com/office/powerpoint/2010/main" val="3667871807"/>
+        <p14:creationId xmlns:p14="http://schemas.microsoft.com/office/powerpoint/2010/main" xmlns="" val="3667871807"/>
       </p:ext>
     </p:extLst>
   </p:cSld>
@@ -1241,7 +1251,8 @@
           <a:p>
             <a:fld id="{41D27443-EDAC-49D5-AEF3-CF0CAD3889E4}" type="datetimeFigureOut">
               <a:rPr lang="vi-VN" smtClean="0"/>
-              <a:t>14/11/2020</a:t>
+              <a:pPr/>
+              <a:t>22/11/2020</a:t>
             </a:fld>
             <a:endParaRPr lang="vi-VN"/>
           </a:p>
@@ -1283,6 +1294,7 @@
           <a:p>
             <a:fld id="{E99A19E5-ED21-45F3-8C44-8EAE3B435CF8}" type="slidenum">
               <a:rPr lang="vi-VN" smtClean="0"/>
+              <a:pPr/>
               <a:t>‹#›</a:t>
             </a:fld>
             <a:endParaRPr lang="vi-VN"/>
@@ -1292,7 +1304,7 @@
     </p:spTree>
     <p:extLst>
       <p:ext uri="{BB962C8B-B14F-4D97-AF65-F5344CB8AC3E}">
-        <p14:creationId xmlns:p14="http://schemas.microsoft.com/office/powerpoint/2010/main" val="1372864775"/>
+        <p14:creationId xmlns:p14="http://schemas.microsoft.com/office/powerpoint/2010/main" xmlns="" val="1372864775"/>
       </p:ext>
     </p:extLst>
   </p:cSld>
@@ -1608,7 +1620,8 @@
           <a:p>
             <a:fld id="{41D27443-EDAC-49D5-AEF3-CF0CAD3889E4}" type="datetimeFigureOut">
               <a:rPr lang="vi-VN" smtClean="0"/>
-              <a:t>14/11/2020</a:t>
+              <a:pPr/>
+              <a:t>22/11/2020</a:t>
             </a:fld>
             <a:endParaRPr lang="vi-VN"/>
           </a:p>
@@ -1650,6 +1663,7 @@
           <a:p>
             <a:fld id="{E99A19E5-ED21-45F3-8C44-8EAE3B435CF8}" type="slidenum">
               <a:rPr lang="vi-VN" smtClean="0"/>
+              <a:pPr/>
               <a:t>‹#›</a:t>
             </a:fld>
             <a:endParaRPr lang="vi-VN"/>
@@ -1659,7 +1673,7 @@
     </p:spTree>
     <p:extLst>
       <p:ext uri="{BB962C8B-B14F-4D97-AF65-F5344CB8AC3E}">
-        <p14:creationId xmlns:p14="http://schemas.microsoft.com/office/powerpoint/2010/main" val="3216358818"/>
+        <p14:creationId xmlns:p14="http://schemas.microsoft.com/office/powerpoint/2010/main" xmlns="" val="3216358818"/>
       </p:ext>
     </p:extLst>
   </p:cSld>
@@ -1726,7 +1740,8 @@
           <a:p>
             <a:fld id="{41D27443-EDAC-49D5-AEF3-CF0CAD3889E4}" type="datetimeFigureOut">
               <a:rPr lang="vi-VN" smtClean="0"/>
-              <a:t>14/11/2020</a:t>
+              <a:pPr/>
+              <a:t>22/11/2020</a:t>
             </a:fld>
             <a:endParaRPr lang="vi-VN"/>
           </a:p>
@@ -1768,6 +1783,7 @@
           <a:p>
             <a:fld id="{E99A19E5-ED21-45F3-8C44-8EAE3B435CF8}" type="slidenum">
               <a:rPr lang="vi-VN" smtClean="0"/>
+              <a:pPr/>
               <a:t>‹#›</a:t>
             </a:fld>
             <a:endParaRPr lang="vi-VN"/>
@@ -1777,7 +1793,7 @@
     </p:spTree>
     <p:extLst>
       <p:ext uri="{BB962C8B-B14F-4D97-AF65-F5344CB8AC3E}">
-        <p14:creationId xmlns:p14="http://schemas.microsoft.com/office/powerpoint/2010/main" val="360623069"/>
+        <p14:creationId xmlns:p14="http://schemas.microsoft.com/office/powerpoint/2010/main" xmlns="" val="360623069"/>
       </p:ext>
     </p:extLst>
   </p:cSld>
@@ -1821,7 +1837,8 @@
           <a:p>
             <a:fld id="{41D27443-EDAC-49D5-AEF3-CF0CAD3889E4}" type="datetimeFigureOut">
               <a:rPr lang="vi-VN" smtClean="0"/>
-              <a:t>14/11/2020</a:t>
+              <a:pPr/>
+              <a:t>22/11/2020</a:t>
             </a:fld>
             <a:endParaRPr lang="vi-VN"/>
           </a:p>
@@ -1863,6 +1880,7 @@
           <a:p>
             <a:fld id="{E99A19E5-ED21-45F3-8C44-8EAE3B435CF8}" type="slidenum">
               <a:rPr lang="vi-VN" smtClean="0"/>
+              <a:pPr/>
               <a:t>‹#›</a:t>
             </a:fld>
             <a:endParaRPr lang="vi-VN"/>
@@ -1872,7 +1890,7 @@
     </p:spTree>
     <p:extLst>
       <p:ext uri="{BB962C8B-B14F-4D97-AF65-F5344CB8AC3E}">
-        <p14:creationId xmlns:p14="http://schemas.microsoft.com/office/powerpoint/2010/main" val="2244229997"/>
+        <p14:creationId xmlns:p14="http://schemas.microsoft.com/office/powerpoint/2010/main" xmlns="" val="2244229997"/>
       </p:ext>
     </p:extLst>
   </p:cSld>
@@ -2098,7 +2116,8 @@
           <a:p>
             <a:fld id="{41D27443-EDAC-49D5-AEF3-CF0CAD3889E4}" type="datetimeFigureOut">
               <a:rPr lang="vi-VN" smtClean="0"/>
-              <a:t>14/11/2020</a:t>
+              <a:pPr/>
+              <a:t>22/11/2020</a:t>
             </a:fld>
             <a:endParaRPr lang="vi-VN"/>
           </a:p>
@@ -2140,6 +2159,7 @@
           <a:p>
             <a:fld id="{E99A19E5-ED21-45F3-8C44-8EAE3B435CF8}" type="slidenum">
               <a:rPr lang="vi-VN" smtClean="0"/>
+              <a:pPr/>
               <a:t>‹#›</a:t>
             </a:fld>
             <a:endParaRPr lang="vi-VN"/>
@@ -2149,7 +2169,7 @@
     </p:spTree>
     <p:extLst>
       <p:ext uri="{BB962C8B-B14F-4D97-AF65-F5344CB8AC3E}">
-        <p14:creationId xmlns:p14="http://schemas.microsoft.com/office/powerpoint/2010/main" val="3842587381"/>
+        <p14:creationId xmlns:p14="http://schemas.microsoft.com/office/powerpoint/2010/main" xmlns="" val="3842587381"/>
       </p:ext>
     </p:extLst>
   </p:cSld>
@@ -2351,7 +2371,8 @@
           <a:p>
             <a:fld id="{41D27443-EDAC-49D5-AEF3-CF0CAD3889E4}" type="datetimeFigureOut">
               <a:rPr lang="vi-VN" smtClean="0"/>
-              <a:t>14/11/2020</a:t>
+              <a:pPr/>
+              <a:t>22/11/2020</a:t>
             </a:fld>
             <a:endParaRPr lang="vi-VN"/>
           </a:p>
@@ -2393,6 +2414,7 @@
           <a:p>
             <a:fld id="{E99A19E5-ED21-45F3-8C44-8EAE3B435CF8}" type="slidenum">
               <a:rPr lang="vi-VN" smtClean="0"/>
+              <a:pPr/>
               <a:t>‹#›</a:t>
             </a:fld>
             <a:endParaRPr lang="vi-VN"/>
@@ -2402,7 +2424,7 @@
     </p:spTree>
     <p:extLst>
       <p:ext uri="{BB962C8B-B14F-4D97-AF65-F5344CB8AC3E}">
-        <p14:creationId xmlns:p14="http://schemas.microsoft.com/office/powerpoint/2010/main" val="4205046761"/>
+        <p14:creationId xmlns:p14="http://schemas.microsoft.com/office/powerpoint/2010/main" xmlns="" val="4205046761"/>
       </p:ext>
     </p:extLst>
   </p:cSld>
@@ -2573,7 +2595,8 @@
           <a:p>
             <a:fld id="{41D27443-EDAC-49D5-AEF3-CF0CAD3889E4}" type="datetimeFigureOut">
               <a:rPr lang="vi-VN" smtClean="0"/>
-              <a:t>14/11/2020</a:t>
+              <a:pPr/>
+              <a:t>22/11/2020</a:t>
             </a:fld>
             <a:endParaRPr lang="vi-VN"/>
           </a:p>
@@ -2651,6 +2674,7 @@
           <a:p>
             <a:fld id="{E99A19E5-ED21-45F3-8C44-8EAE3B435CF8}" type="slidenum">
               <a:rPr lang="vi-VN" smtClean="0"/>
+              <a:pPr/>
               <a:t>‹#›</a:t>
             </a:fld>
             <a:endParaRPr lang="vi-VN"/>
@@ -2660,7 +2684,7 @@
     </p:spTree>
     <p:extLst>
       <p:ext uri="{BB962C8B-B14F-4D97-AF65-F5344CB8AC3E}">
-        <p14:creationId xmlns:p14="http://schemas.microsoft.com/office/powerpoint/2010/main" val="1592434785"/>
+        <p14:creationId xmlns:p14="http://schemas.microsoft.com/office/powerpoint/2010/main" xmlns="" val="1592434785"/>
       </p:ext>
     </p:extLst>
   </p:cSld>
@@ -3005,6 +3029,8 @@
                 <a:solidFill>
                   <a:srgbClr val="FFFF00"/>
                 </a:solidFill>
+                <a:latin typeface="微軟正黑體" pitchFamily="34" charset="-120"/>
+                <a:ea typeface="微軟正黑體" pitchFamily="34" charset="-120"/>
               </a:rPr>
               <a:t>小 伯 利 恆</a:t>
             </a:r>
@@ -3012,6 +3038,7 @@
               <a:solidFill>
                 <a:srgbClr val="FFFF00"/>
               </a:solidFill>
+              <a:ea typeface="微軟正黑體" pitchFamily="34" charset="-120"/>
             </a:endParaRPr>
           </a:p>
         </p:txBody>
@@ -3057,7 +3084,7 @@
     </p:spTree>
     <p:extLst>
       <p:ext uri="{BB962C8B-B14F-4D97-AF65-F5344CB8AC3E}">
-        <p14:creationId xmlns:p14="http://schemas.microsoft.com/office/powerpoint/2010/main" val="2981953188"/>
+        <p14:creationId xmlns:p14="http://schemas.microsoft.com/office/powerpoint/2010/main" xmlns="" val="2981953188"/>
       </p:ext>
     </p:extLst>
   </p:cSld>
@@ -3111,6 +3138,8 @@
                 <a:solidFill>
                   <a:srgbClr val="FFFF00"/>
                 </a:solidFill>
+                <a:latin typeface="微軟正黑體" pitchFamily="34" charset="-120"/>
+                <a:ea typeface="微軟正黑體" pitchFamily="34" charset="-120"/>
               </a:rPr>
               <a:t>伯 利 恆</a:t>
             </a:r>
@@ -3118,6 +3147,7 @@
               <a:solidFill>
                 <a:srgbClr val="FFFF00"/>
               </a:solidFill>
+              <a:ea typeface="微軟正黑體" pitchFamily="34" charset="-120"/>
             </a:endParaRPr>
           </a:p>
         </p:txBody>
@@ -3228,6 +3258,8 @@
                 <a:solidFill>
                   <a:srgbClr val="FFFF00"/>
                 </a:solidFill>
+                <a:latin typeface="微軟正黑體" pitchFamily="34" charset="-120"/>
+                <a:ea typeface="微軟正黑體" pitchFamily="34" charset="-120"/>
               </a:rPr>
               <a:t>誕 生</a:t>
             </a:r>
@@ -3235,6 +3267,7 @@
               <a:solidFill>
                 <a:srgbClr val="FFFF00"/>
               </a:solidFill>
+              <a:ea typeface="微軟正黑體" pitchFamily="34" charset="-120"/>
             </a:endParaRPr>
           </a:p>
         </p:txBody>
@@ -3339,6 +3372,8 @@
                 <a:solidFill>
                   <a:srgbClr val="FFFF00"/>
                 </a:solidFill>
+                <a:latin typeface="微軟正黑體" pitchFamily="34" charset="-120"/>
+                <a:ea typeface="微軟正黑體" pitchFamily="34" charset="-120"/>
               </a:rPr>
               <a:t>地 方</a:t>
             </a:r>
@@ -3346,6 +3381,7 @@
               <a:solidFill>
                 <a:srgbClr val="FFFF00"/>
               </a:solidFill>
+              <a:ea typeface="微軟正黑體" pitchFamily="34" charset="-120"/>
             </a:endParaRPr>
           </a:p>
         </p:txBody>
@@ -3466,6 +3502,8 @@
                 <a:solidFill>
                   <a:srgbClr val="FFFF00"/>
                 </a:solidFill>
+                <a:latin typeface="微軟正黑體" pitchFamily="34" charset="-120"/>
+                <a:ea typeface="微軟正黑體" pitchFamily="34" charset="-120"/>
               </a:rPr>
               <a:t>世 界</a:t>
             </a:r>
@@ -3473,6 +3511,7 @@
               <a:solidFill>
                 <a:srgbClr val="FFFF00"/>
               </a:solidFill>
+              <a:ea typeface="微軟正黑體" pitchFamily="34" charset="-120"/>
             </a:endParaRPr>
           </a:p>
         </p:txBody>
@@ -3549,7 +3588,7 @@
     </p:spTree>
     <p:extLst>
       <p:ext uri="{BB962C8B-B14F-4D97-AF65-F5344CB8AC3E}">
-        <p14:creationId xmlns:p14="http://schemas.microsoft.com/office/powerpoint/2010/main" val="1330582098"/>
+        <p14:creationId xmlns:p14="http://schemas.microsoft.com/office/powerpoint/2010/main" xmlns="" val="1330582098"/>
       </p:ext>
     </p:extLst>
   </p:cSld>
@@ -3604,6 +3643,8 @@
                 <a:solidFill>
                   <a:srgbClr val="FFFF00"/>
                 </a:solidFill>
+                <a:latin typeface="微軟正黑體" pitchFamily="34" charset="-120"/>
+                <a:ea typeface="微軟正黑體" pitchFamily="34" charset="-120"/>
               </a:rPr>
               <a:t>充 滿</a:t>
             </a:r>
@@ -3611,6 +3652,7 @@
               <a:solidFill>
                 <a:srgbClr val="FFFF00"/>
               </a:solidFill>
+              <a:ea typeface="微軟正黑體" pitchFamily="34" charset="-120"/>
             </a:endParaRPr>
           </a:p>
         </p:txBody>
@@ -3715,6 +3757,8 @@
                 <a:solidFill>
                   <a:srgbClr val="FFFF00"/>
                 </a:solidFill>
+                <a:latin typeface="微軟正黑體" pitchFamily="34" charset="-120"/>
+                <a:ea typeface="微軟正黑體" pitchFamily="34" charset="-120"/>
               </a:rPr>
               <a:t>希 望</a:t>
             </a:r>
@@ -3722,6 +3766,7 @@
               <a:solidFill>
                 <a:srgbClr val="FFFF00"/>
               </a:solidFill>
+              <a:ea typeface="微軟正黑體" pitchFamily="34" charset="-120"/>
             </a:endParaRPr>
           </a:p>
         </p:txBody>
@@ -3841,6 +3886,8 @@
                 <a:solidFill>
                   <a:srgbClr val="FFFF00"/>
                 </a:solidFill>
+                <a:latin typeface="微軟正黑體" pitchFamily="34" charset="-120"/>
+                <a:ea typeface="微軟正黑體" pitchFamily="34" charset="-120"/>
               </a:rPr>
               <a:t>無 限</a:t>
             </a:r>
@@ -3848,6 +3895,7 @@
               <a:solidFill>
                 <a:srgbClr val="FFFF00"/>
               </a:solidFill>
+              <a:ea typeface="微軟正黑體" pitchFamily="34" charset="-120"/>
             </a:endParaRPr>
           </a:p>
         </p:txBody>
@@ -3968,6 +4016,8 @@
                 <a:solidFill>
                   <a:srgbClr val="FFFF00"/>
                 </a:solidFill>
+                <a:latin typeface="微軟正黑體" pitchFamily="34" charset="-120"/>
+                <a:ea typeface="微軟正黑體" pitchFamily="34" charset="-120"/>
               </a:rPr>
               <a:t>燦 爛</a:t>
             </a:r>
@@ -3975,6 +4025,7 @@
               <a:solidFill>
                 <a:srgbClr val="FFFF00"/>
               </a:solidFill>
+              <a:ea typeface="微軟正黑體" pitchFamily="34" charset="-120"/>
             </a:endParaRPr>
           </a:p>
         </p:txBody>
@@ -4051,7 +4102,7 @@
     </p:spTree>
     <p:extLst>
       <p:ext uri="{BB962C8B-B14F-4D97-AF65-F5344CB8AC3E}">
-        <p14:creationId xmlns:p14="http://schemas.microsoft.com/office/powerpoint/2010/main" val="3670399439"/>
+        <p14:creationId xmlns:p14="http://schemas.microsoft.com/office/powerpoint/2010/main" xmlns="" val="3670399439"/>
       </p:ext>
     </p:extLst>
   </p:cSld>
@@ -4090,7 +4141,7 @@
         </p:nvSpPr>
         <p:spPr>
           <a:xfrm>
-            <a:off x="1190539" y="203114"/>
+            <a:off x="877388" y="203114"/>
             <a:ext cx="4944254" cy="1325563"/>
           </a:xfrm>
         </p:spPr>
@@ -4105,6 +4156,8 @@
                 <a:solidFill>
                   <a:srgbClr val="FFFF00"/>
                 </a:solidFill>
+                <a:latin typeface="微軟正黑體" pitchFamily="34" charset="-120"/>
+                <a:ea typeface="微軟正黑體" pitchFamily="34" charset="-120"/>
               </a:rPr>
               <a:t>小  伯  利  恆</a:t>
             </a:r>
@@ -4112,6 +4165,7 @@
               <a:solidFill>
                 <a:srgbClr val="FFFF00"/>
               </a:solidFill>
+              <a:ea typeface="微軟正黑體" pitchFamily="34" charset="-120"/>
             </a:endParaRPr>
           </a:p>
         </p:txBody>
@@ -4126,8 +4180,8 @@
         </p:nvSpPr>
         <p:spPr>
           <a:xfrm>
-            <a:off x="5477325" y="1204797"/>
-            <a:ext cx="6631547" cy="1325563"/>
+            <a:off x="5461348" y="1167219"/>
+            <a:ext cx="6960675" cy="1325563"/>
           </a:xfrm>
           <a:prstGeom prst="rect">
             <a:avLst/>
@@ -4162,6 +4216,8 @@
                 <a:solidFill>
                   <a:srgbClr val="FFFF00"/>
                 </a:solidFill>
+                <a:latin typeface="微軟正黑體" pitchFamily="34" charset="-120"/>
+                <a:ea typeface="微軟正黑體" pitchFamily="34" charset="-120"/>
               </a:rPr>
               <a:t>耶 穌  誕   生  的 地 方</a:t>
             </a:r>
@@ -4169,6 +4225,7 @@
               <a:solidFill>
                 <a:srgbClr val="FFFF00"/>
               </a:solidFill>
+              <a:ea typeface="微軟正黑體" pitchFamily="34" charset="-120"/>
             </a:endParaRPr>
           </a:p>
         </p:txBody>
@@ -4183,7 +4240,7 @@
         </p:nvSpPr>
         <p:spPr>
           <a:xfrm>
-            <a:off x="947477" y="2820481"/>
+            <a:off x="646852" y="2883111"/>
             <a:ext cx="5187315" cy="1325563"/>
           </a:xfrm>
           <a:prstGeom prst="rect">
@@ -4219,6 +4276,8 @@
                 <a:solidFill>
                   <a:srgbClr val="FFFF00"/>
                 </a:solidFill>
+                <a:latin typeface="微軟正黑體" pitchFamily="34" charset="-120"/>
+                <a:ea typeface="微軟正黑體" pitchFamily="34" charset="-120"/>
               </a:rPr>
               <a:t>沒 有 人 知 道</a:t>
             </a:r>
@@ -4226,6 +4285,7 @@
               <a:solidFill>
                 <a:srgbClr val="FFFF00"/>
               </a:solidFill>
+              <a:ea typeface="微軟正黑體" pitchFamily="34" charset="-120"/>
             </a:endParaRPr>
           </a:p>
         </p:txBody>
@@ -4240,8 +4300,8 @@
         </p:nvSpPr>
         <p:spPr>
           <a:xfrm>
-            <a:off x="5843086" y="2820481"/>
-            <a:ext cx="5960987" cy="1325563"/>
+            <a:off x="5624186" y="2820481"/>
+            <a:ext cx="6179887" cy="1325563"/>
           </a:xfrm>
           <a:prstGeom prst="rect">
             <a:avLst/>
@@ -4276,6 +4336,8 @@
                 <a:solidFill>
                   <a:srgbClr val="FFFF00"/>
                 </a:solidFill>
+                <a:latin typeface="微軟正黑體" pitchFamily="34" charset="-120"/>
+                <a:ea typeface="微軟正黑體" pitchFamily="34" charset="-120"/>
               </a:rPr>
               <a:t>祂 就 是 世 界 的 光</a:t>
             </a:r>
@@ -4283,6 +4345,7 @@
               <a:solidFill>
                 <a:srgbClr val="FFFF00"/>
               </a:solidFill>
+              <a:ea typeface="微軟正黑體" pitchFamily="34" charset="-120"/>
             </a:endParaRPr>
           </a:p>
         </p:txBody>
@@ -4297,7 +4360,7 @@
         </p:nvSpPr>
         <p:spPr>
           <a:xfrm>
-            <a:off x="1069007" y="1180407"/>
+            <a:off x="843538" y="1117776"/>
             <a:ext cx="5187315" cy="964278"/>
           </a:xfrm>
           <a:prstGeom prst="rect">
@@ -4412,7 +4475,34 @@
                 </a:solidFill>
                 <a:latin typeface="+mn-lt"/>
               </a:rPr>
-              <a:t>ē  sū   dàn </a:t>
+              <a:t>ē  </a:t>
+            </a:r>
+            <a:r>
+              <a:rPr lang="en-US" sz="3600" b="1" dirty="0" smtClean="0">
+                <a:solidFill>
+                  <a:schemeClr val="bg1"/>
+                </a:solidFill>
+                <a:latin typeface="+mn-lt"/>
+              </a:rPr>
+              <a:t> </a:t>
+            </a:r>
+            <a:r>
+              <a:rPr lang="vi-VN" sz="3600" b="1" dirty="0" smtClean="0">
+                <a:solidFill>
+                  <a:schemeClr val="bg1"/>
+                </a:solidFill>
+                <a:latin typeface="+mn-lt"/>
+              </a:rPr>
+              <a:t>sū   </a:t>
+            </a:r>
+            <a:r>
+              <a:rPr lang="vi-VN" sz="3600" b="1" dirty="0" smtClean="0">
+                <a:solidFill>
+                  <a:schemeClr val="bg1"/>
+                </a:solidFill>
+                <a:latin typeface="+mn-lt"/>
+              </a:rPr>
+              <a:t>dàn </a:t>
             </a:r>
             <a:r>
               <a:rPr lang="vi-VN" sz="3600" b="1" dirty="0">
@@ -4421,7 +4511,34 @@
                 </a:solidFill>
                 <a:latin typeface="+mn-lt"/>
               </a:rPr>
-              <a:t>shēng dē dì fāng</a:t>
+              <a:t>shēng dē </a:t>
+            </a:r>
+            <a:r>
+              <a:rPr lang="en-US" sz="3600" b="1" dirty="0" smtClean="0">
+                <a:solidFill>
+                  <a:schemeClr val="bg1"/>
+                </a:solidFill>
+                <a:latin typeface="+mn-lt"/>
+              </a:rPr>
+              <a:t> </a:t>
+            </a:r>
+            <a:r>
+              <a:rPr lang="vi-VN" sz="3600" b="1" dirty="0" smtClean="0">
+                <a:solidFill>
+                  <a:schemeClr val="bg1"/>
+                </a:solidFill>
+                <a:latin typeface="+mn-lt"/>
+              </a:rPr>
+              <a:t>dì </a:t>
+            </a:r>
+            <a:r>
+              <a:rPr lang="vi-VN" sz="3600" b="1" dirty="0">
+                <a:solidFill>
+                  <a:schemeClr val="bg1"/>
+                </a:solidFill>
+                <a:latin typeface="+mn-lt"/>
+              </a:rPr>
+              <a:t>fāng</a:t>
             </a:r>
           </a:p>
         </p:txBody>
@@ -4436,7 +4553,7 @@
         </p:nvSpPr>
         <p:spPr>
           <a:xfrm>
-            <a:off x="801624" y="3784759"/>
+            <a:off x="563630" y="3822337"/>
             <a:ext cx="5187315" cy="964278"/>
           </a:xfrm>
           <a:prstGeom prst="rect">
@@ -4553,7 +4670,7 @@
     </p:spTree>
     <p:extLst>
       <p:ext uri="{BB962C8B-B14F-4D97-AF65-F5344CB8AC3E}">
-        <p14:creationId xmlns:p14="http://schemas.microsoft.com/office/powerpoint/2010/main" val="1873795794"/>
+        <p14:creationId xmlns:p14="http://schemas.microsoft.com/office/powerpoint/2010/main" xmlns="" val="1873795794"/>
       </p:ext>
     </p:extLst>
   </p:cSld>
@@ -4599,7 +4716,7 @@
         </p:nvSpPr>
         <p:spPr>
           <a:xfrm>
-            <a:off x="1190539" y="203114"/>
+            <a:off x="739602" y="165536"/>
             <a:ext cx="4944254" cy="1325563"/>
           </a:xfrm>
         </p:spPr>
@@ -4614,6 +4731,8 @@
                 <a:solidFill>
                   <a:srgbClr val="FFFF00"/>
                 </a:solidFill>
+                <a:latin typeface="微軟正黑體" pitchFamily="34" charset="-120"/>
+                <a:ea typeface="微軟正黑體" pitchFamily="34" charset="-120"/>
               </a:rPr>
               <a:t>小  伯  利  恆</a:t>
             </a:r>
@@ -4621,6 +4740,7 @@
               <a:solidFill>
                 <a:srgbClr val="FFFF00"/>
               </a:solidFill>
+              <a:ea typeface="微軟正黑體" pitchFamily="34" charset="-120"/>
             </a:endParaRPr>
           </a:p>
         </p:txBody>
@@ -4635,8 +4755,8 @@
         </p:nvSpPr>
         <p:spPr>
           <a:xfrm>
-            <a:off x="5477325" y="1204797"/>
-            <a:ext cx="6631547" cy="1325563"/>
+            <a:off x="5168695" y="1217323"/>
+            <a:ext cx="7023305" cy="1325563"/>
           </a:xfrm>
           <a:prstGeom prst="rect">
             <a:avLst/>
@@ -4671,13 +4791,26 @@
                 <a:solidFill>
                   <a:srgbClr val="FFFF00"/>
                 </a:solidFill>
-              </a:rPr>
-              <a:t>耶 穌  誕   生  的 地 方</a:t>
+                <a:latin typeface="微軟正黑體" pitchFamily="34" charset="-120"/>
+                <a:ea typeface="微軟正黑體" pitchFamily="34" charset="-120"/>
+              </a:rPr>
+              <a:t> 耶 </a:t>
+            </a:r>
+            <a:r>
+              <a:rPr lang="zh-CN" altLang="en-US" sz="5400" b="1" dirty="0" smtClean="0">
+                <a:solidFill>
+                  <a:srgbClr val="FFFF00"/>
+                </a:solidFill>
+                <a:latin typeface="微軟正黑體" pitchFamily="34" charset="-120"/>
+                <a:ea typeface="微軟正黑體" pitchFamily="34" charset="-120"/>
+              </a:rPr>
+              <a:t>穌  誕   生  的 地 方</a:t>
             </a:r>
             <a:endParaRPr lang="vi-VN" sz="5400" b="1" dirty="0">
               <a:solidFill>
                 <a:srgbClr val="FFFF00"/>
               </a:solidFill>
+              <a:ea typeface="微軟正黑體" pitchFamily="34" charset="-120"/>
             </a:endParaRPr>
           </a:p>
         </p:txBody>
@@ -4692,7 +4825,7 @@
         </p:nvSpPr>
         <p:spPr>
           <a:xfrm>
-            <a:off x="947477" y="2820481"/>
+            <a:off x="596748" y="2845533"/>
             <a:ext cx="5187315" cy="1325563"/>
           </a:xfrm>
           <a:prstGeom prst="rect">
@@ -4728,6 +4861,8 @@
                 <a:solidFill>
                   <a:srgbClr val="FFFF00"/>
                 </a:solidFill>
+                <a:latin typeface="微軟正黑體" pitchFamily="34" charset="-120"/>
+                <a:ea typeface="微軟正黑體" pitchFamily="34" charset="-120"/>
               </a:rPr>
               <a:t>充  滿  希  望</a:t>
             </a:r>
@@ -4735,6 +4870,7 @@
               <a:solidFill>
                 <a:srgbClr val="FFFF00"/>
               </a:solidFill>
+              <a:ea typeface="微軟正黑體" pitchFamily="34" charset="-120"/>
             </a:endParaRPr>
           </a:p>
         </p:txBody>
@@ -4749,8 +4885,8 @@
         </p:nvSpPr>
         <p:spPr>
           <a:xfrm>
-            <a:off x="5843086" y="2820481"/>
-            <a:ext cx="5960987" cy="1325563"/>
+            <a:off x="5611660" y="2820481"/>
+            <a:ext cx="6192413" cy="1325563"/>
           </a:xfrm>
           <a:prstGeom prst="rect">
             <a:avLst/>
@@ -4785,6 +4921,8 @@
                 <a:solidFill>
                   <a:srgbClr val="FFFF00"/>
                 </a:solidFill>
+                <a:latin typeface="微軟正黑體" pitchFamily="34" charset="-120"/>
+                <a:ea typeface="微軟正黑體" pitchFamily="34" charset="-120"/>
               </a:rPr>
               <a:t>無 限 燦 爛 的 地 方</a:t>
             </a:r>
@@ -4792,6 +4930,7 @@
               <a:solidFill>
                 <a:srgbClr val="FFFF00"/>
               </a:solidFill>
+              <a:ea typeface="微軟正黑體" pitchFamily="34" charset="-120"/>
             </a:endParaRPr>
           </a:p>
         </p:txBody>
@@ -4806,7 +4945,7 @@
         </p:nvSpPr>
         <p:spPr>
           <a:xfrm>
-            <a:off x="1069007" y="1180407"/>
+            <a:off x="668174" y="1117775"/>
             <a:ext cx="5187315" cy="964278"/>
           </a:xfrm>
           <a:prstGeom prst="rect">
@@ -4930,7 +5069,34 @@
                 </a:solidFill>
                 <a:latin typeface="+mn-lt"/>
               </a:rPr>
-              <a:t>shēng dē dì fāng</a:t>
+              <a:t>shēng dē </a:t>
+            </a:r>
+            <a:r>
+              <a:rPr lang="en-US" sz="3600" b="1" dirty="0" smtClean="0">
+                <a:solidFill>
+                  <a:schemeClr val="bg1"/>
+                </a:solidFill>
+                <a:latin typeface="+mn-lt"/>
+              </a:rPr>
+              <a:t> </a:t>
+            </a:r>
+            <a:r>
+              <a:rPr lang="vi-VN" sz="3600" b="1" dirty="0" smtClean="0">
+                <a:solidFill>
+                  <a:schemeClr val="bg1"/>
+                </a:solidFill>
+                <a:latin typeface="+mn-lt"/>
+              </a:rPr>
+              <a:t>dì </a:t>
+            </a:r>
+            <a:r>
+              <a:rPr lang="vi-VN" sz="3600" b="1" dirty="0">
+                <a:solidFill>
+                  <a:schemeClr val="bg1"/>
+                </a:solidFill>
+                <a:latin typeface="+mn-lt"/>
+              </a:rPr>
+              <a:t>fāng</a:t>
             </a:r>
           </a:p>
         </p:txBody>
@@ -4945,7 +5111,7 @@
         </p:nvSpPr>
         <p:spPr>
           <a:xfrm>
-            <a:off x="472890" y="3784759"/>
+            <a:off x="259948" y="3772233"/>
             <a:ext cx="5187315" cy="964278"/>
           </a:xfrm>
           <a:prstGeom prst="rect">
@@ -5007,7 +5173,7 @@
         </p:nvSpPr>
         <p:spPr>
           <a:xfrm>
-            <a:off x="5843086" y="3784759"/>
+            <a:off x="5605091" y="3772233"/>
             <a:ext cx="6157723" cy="964278"/>
           </a:xfrm>
           <a:prstGeom prst="rect">
@@ -5066,13 +5232,31 @@
               <a:t>de </a:t>
             </a:r>
             <a:r>
+              <a:rPr lang="en-US" sz="3600" b="1" dirty="0" smtClean="0">
+                <a:solidFill>
+                  <a:schemeClr val="bg1"/>
+                </a:solidFill>
+                <a:latin typeface="+mn-lt"/>
+              </a:rPr>
+              <a:t>  </a:t>
+            </a:r>
+            <a:r>
               <a:rPr lang="vi-VN" sz="3600" b="1" dirty="0" smtClean="0">
                 <a:solidFill>
                   <a:schemeClr val="bg1"/>
                 </a:solidFill>
                 <a:latin typeface="+mn-lt"/>
               </a:rPr>
-              <a:t>dì fāng</a:t>
+              <a:t>dì </a:t>
+            </a:r>
+            <a:r>
+              <a:rPr lang="vi-VN" sz="3600" b="1" dirty="0" smtClean="0">
+                <a:solidFill>
+                  <a:schemeClr val="bg1"/>
+                </a:solidFill>
+                <a:latin typeface="+mn-lt"/>
+              </a:rPr>
+              <a:t>fāng</a:t>
             </a:r>
             <a:endParaRPr lang="vi-VN" sz="3600" b="1" dirty="0">
               <a:solidFill>
@@ -5086,7 +5270,7 @@
     </p:spTree>
     <p:extLst>
       <p:ext uri="{BB962C8B-B14F-4D97-AF65-F5344CB8AC3E}">
-        <p14:creationId xmlns:p14="http://schemas.microsoft.com/office/powerpoint/2010/main" val="161928219"/>
+        <p14:creationId xmlns:p14="http://schemas.microsoft.com/office/powerpoint/2010/main" xmlns="" val="161928219"/>
       </p:ext>
     </p:extLst>
   </p:cSld>
@@ -5147,6 +5331,8 @@
                 <a:solidFill>
                   <a:srgbClr val="FFFF00"/>
                 </a:solidFill>
+                <a:latin typeface="微軟正黑體" pitchFamily="34" charset="-120"/>
+                <a:ea typeface="微軟正黑體" pitchFamily="34" charset="-120"/>
               </a:rPr>
               <a:t>我 要 唱  哈 利 路 亞</a:t>
             </a:r>
@@ -5154,6 +5340,7 @@
               <a:solidFill>
                 <a:srgbClr val="FFFF00"/>
               </a:solidFill>
+              <a:ea typeface="微軟正黑體" pitchFamily="34" charset="-120"/>
             </a:endParaRPr>
           </a:p>
         </p:txBody>
@@ -5215,7 +5402,16 @@
                 </a:solidFill>
                 <a:latin typeface="+mn-lt"/>
               </a:rPr>
-              <a:t>chàng hā </a:t>
+              <a:t>chàng </a:t>
+            </a:r>
+            <a:r>
+              <a:rPr lang="en-US" sz="3200" b="1" dirty="0" smtClean="0">
+                <a:solidFill>
+                  <a:schemeClr val="bg1"/>
+                </a:solidFill>
+                <a:latin typeface="+mn-lt"/>
+              </a:rPr>
+              <a:t> </a:t>
             </a:r>
             <a:r>
               <a:rPr lang="vi-VN" sz="3200" b="1" dirty="0" smtClean="0">
@@ -5224,7 +5420,43 @@
                 </a:solidFill>
                 <a:latin typeface="+mn-lt"/>
               </a:rPr>
-              <a:t>  lì    lù    yà</a:t>
+              <a:t>hā   </a:t>
+            </a:r>
+            <a:r>
+              <a:rPr lang="vi-VN" sz="3200" b="1" dirty="0" smtClean="0">
+                <a:solidFill>
+                  <a:schemeClr val="bg1"/>
+                </a:solidFill>
+                <a:latin typeface="+mn-lt"/>
+              </a:rPr>
+              <a:t>lì    </a:t>
+            </a:r>
+            <a:r>
+              <a:rPr lang="en-US" sz="3200" b="1" dirty="0" smtClean="0">
+                <a:solidFill>
+                  <a:schemeClr val="bg1"/>
+                </a:solidFill>
+                <a:latin typeface="+mn-lt"/>
+              </a:rPr>
+              <a:t> </a:t>
+            </a:r>
+            <a:r>
+              <a:rPr lang="vi-VN" sz="3200" b="1" dirty="0" smtClean="0">
+                <a:solidFill>
+                  <a:schemeClr val="bg1"/>
+                </a:solidFill>
+                <a:latin typeface="+mn-lt"/>
+              </a:rPr>
+              <a:t>lù    </a:t>
+            </a:r>
+            <a:r>
+              <a:rPr lang="vi-VN" sz="3200" b="1" dirty="0" smtClean="0">
+                <a:solidFill>
+                  <a:schemeClr val="bg1"/>
+                </a:solidFill>
+                <a:latin typeface="+mn-lt"/>
+              </a:rPr>
+              <a:t>yà</a:t>
             </a:r>
             <a:endParaRPr lang="vi-VN" sz="3200" b="1" dirty="0">
               <a:solidFill>
@@ -5281,6 +5513,8 @@
                 <a:solidFill>
                   <a:srgbClr val="FFFF00"/>
                 </a:solidFill>
+                <a:latin typeface="微軟正黑體" pitchFamily="34" charset="-120"/>
+                <a:ea typeface="微軟正黑體" pitchFamily="34" charset="-120"/>
               </a:rPr>
               <a:t>我 要   唱   永  遠 歌 唱</a:t>
             </a:r>
@@ -5288,6 +5522,7 @@
               <a:solidFill>
                 <a:srgbClr val="FFFF00"/>
               </a:solidFill>
+              <a:ea typeface="微軟正黑體" pitchFamily="34" charset="-120"/>
             </a:endParaRPr>
           </a:p>
         </p:txBody>
@@ -5343,7 +5578,16 @@
               <a:t>Wǒ yào </a:t>
             </a:r>
             <a:r>
-              <a:rPr lang="vi-VN" sz="3200" b="1" dirty="0">
+              <a:rPr lang="en-US" sz="3200" b="1" dirty="0" smtClean="0">
+                <a:solidFill>
+                  <a:schemeClr val="bg1"/>
+                </a:solidFill>
+                <a:latin typeface="+mn-lt"/>
+              </a:rPr>
+              <a:t>  </a:t>
+            </a:r>
+            <a:r>
+              <a:rPr lang="vi-VN" sz="3200" b="1" dirty="0" smtClean="0">
                 <a:solidFill>
                   <a:schemeClr val="bg1"/>
                 </a:solidFill>
@@ -5415,6 +5659,8 @@
                 <a:solidFill>
                   <a:srgbClr val="FFFF00"/>
                 </a:solidFill>
+                <a:latin typeface="微軟正黑體" pitchFamily="34" charset="-120"/>
+                <a:ea typeface="微軟正黑體" pitchFamily="34" charset="-120"/>
               </a:rPr>
               <a:t>我 要  唱    聖  誕 快樂</a:t>
             </a:r>
@@ -5422,6 +5668,7 @@
               <a:solidFill>
                 <a:srgbClr val="FFFF00"/>
               </a:solidFill>
+              <a:ea typeface="微軟正黑體" pitchFamily="34" charset="-120"/>
             </a:endParaRPr>
           </a:p>
         </p:txBody>
@@ -5477,7 +5724,16 @@
               <a:t>Wǒ yào </a:t>
             </a:r>
             <a:r>
-              <a:rPr lang="vi-VN" sz="3200" b="1" dirty="0">
+              <a:rPr lang="en-US" sz="3200" b="1" dirty="0" smtClean="0">
+                <a:solidFill>
+                  <a:schemeClr val="bg1"/>
+                </a:solidFill>
+                <a:latin typeface="+mn-lt"/>
+              </a:rPr>
+              <a:t> </a:t>
+            </a:r>
+            <a:r>
+              <a:rPr lang="vi-VN" sz="3200" b="1" dirty="0" smtClean="0">
                 <a:solidFill>
                   <a:schemeClr val="bg1"/>
                 </a:solidFill>
@@ -5549,6 +5805,8 @@
                 <a:solidFill>
                   <a:srgbClr val="FFFF00"/>
                 </a:solidFill>
+                <a:latin typeface="微軟正黑體" pitchFamily="34" charset="-120"/>
+                <a:ea typeface="微軟正黑體" pitchFamily="34" charset="-120"/>
               </a:rPr>
               <a:t>小  伯  利  恆</a:t>
             </a:r>
@@ -5556,6 +5814,7 @@
               <a:solidFill>
                 <a:srgbClr val="FFFF00"/>
               </a:solidFill>
+              <a:ea typeface="微軟正黑體" pitchFamily="34" charset="-120"/>
             </a:endParaRPr>
           </a:p>
         </p:txBody>
@@ -5617,7 +5876,34 @@
                 </a:solidFill>
                 <a:latin typeface="+mn-lt"/>
               </a:rPr>
-              <a:t>iǎo   bó    lì   héng</a:t>
+              <a:t>iǎo   bó    </a:t>
+            </a:r>
+            <a:r>
+              <a:rPr lang="en-US" sz="3200" b="1" dirty="0" smtClean="0">
+                <a:solidFill>
+                  <a:schemeClr val="bg1"/>
+                </a:solidFill>
+                <a:latin typeface="+mn-lt"/>
+              </a:rPr>
+              <a:t>  </a:t>
+            </a:r>
+            <a:r>
+              <a:rPr lang="vi-VN" sz="3200" b="1" dirty="0" smtClean="0">
+                <a:solidFill>
+                  <a:schemeClr val="bg1"/>
+                </a:solidFill>
+                <a:latin typeface="+mn-lt"/>
+              </a:rPr>
+              <a:t>lì   </a:t>
+            </a:r>
+            <a:r>
+              <a:rPr lang="vi-VN" sz="3200" b="1" dirty="0" smtClean="0">
+                <a:solidFill>
+                  <a:schemeClr val="bg1"/>
+                </a:solidFill>
+                <a:latin typeface="+mn-lt"/>
+              </a:rPr>
+              <a:t>héng</a:t>
             </a:r>
             <a:endParaRPr lang="vi-VN" sz="4000" b="1" dirty="0">
               <a:solidFill>
@@ -5674,6 +5960,8 @@
                 <a:solidFill>
                   <a:srgbClr val="FFFF00"/>
                 </a:solidFill>
+                <a:latin typeface="微軟正黑體" pitchFamily="34" charset="-120"/>
+                <a:ea typeface="微軟正黑體" pitchFamily="34" charset="-120"/>
               </a:rPr>
               <a:t>我  要  唱</a:t>
             </a:r>
@@ -5681,6 +5969,7 @@
               <a:solidFill>
                 <a:srgbClr val="FFFF00"/>
               </a:solidFill>
+              <a:ea typeface="微軟正黑體" pitchFamily="34" charset="-120"/>
             </a:endParaRPr>
           </a:p>
         </p:txBody>
@@ -5750,7 +6039,7 @@
     </p:spTree>
     <p:extLst>
       <p:ext uri="{BB962C8B-B14F-4D97-AF65-F5344CB8AC3E}">
-        <p14:creationId xmlns:p14="http://schemas.microsoft.com/office/powerpoint/2010/main" val="2096450600"/>
+        <p14:creationId xmlns:p14="http://schemas.microsoft.com/office/powerpoint/2010/main" xmlns="" val="2096450600"/>
       </p:ext>
     </p:extLst>
   </p:cSld>
@@ -5810,7 +6099,7 @@
     </a:clrScheme>
     <a:fontScheme name="Office">
       <a:majorFont>
-        <a:latin typeface="Calibri Light" panose="020F0302020204030204"/>
+        <a:latin typeface="Calibri Light"/>
         <a:ea typeface=""/>
         <a:cs typeface=""/>
         <a:font script="Jpan" typeface="游ゴシック Light"/>
@@ -5845,7 +6134,7 @@
         <a:font script="Geor" typeface="Sylfaen"/>
       </a:majorFont>
       <a:minorFont>
-        <a:latin typeface="Calibri" panose="020F0502020204030204"/>
+        <a:latin typeface="Calibri"/>
         <a:ea typeface=""/>
         <a:cs typeface=""/>
         <a:font script="Jpan" typeface="游ゴシック"/>
@@ -6022,7 +6311,7 @@
   <a:extraClrSchemeLst/>
   <a:extLst>
     <a:ext uri="{05A4C25C-085E-4340-85A3-A5531E510DB2}">
-      <thm15:themeFamily xmlns:thm15="http://schemas.microsoft.com/office/thememl/2012/main" name="Office Theme" id="{62F939B6-93AF-4DB8-9C6B-D6C7DFDC589F}" vid="{4A3C46E8-61CC-4603-A589-7422A47A8E4A}"/>
+      <thm15:themeFamily xmlns:thm15="http://schemas.microsoft.com/office/thememl/2012/main" xmlns="" name="Office Theme" id="{62F939B6-93AF-4DB8-9C6B-D6C7DFDC589F}" vid="{4A3C46E8-61CC-4603-A589-7422A47A8E4A}"/>
     </a:ext>
   </a:extLst>
 </a:theme>
